--- a/presentation.pptx
+++ b/presentation.pptx
@@ -686,7 +686,7 @@
           <a:p>
             <a:fld id="{AECE252B-1CE8-4207-8EE5-E62EE705BCB5}" type="datetimeFigureOut">
               <a:rPr lang="de-DE" smtClean="0"/>
-              <a:t>14.09.2019</a:t>
+              <a:t>17.09.19</a:t>
             </a:fld>
             <a:endParaRPr lang="de-DE"/>
           </a:p>
@@ -740,7 +740,7 @@
           <a:p>
             <a:fld id="{19BCE906-134A-4002-9484-4BE885A83628}" type="slidenum">
               <a:rPr lang="de-DE" smtClean="0"/>
-              <a:t>‹Nr.›</a:t>
+              <a:t>‹#›</a:t>
             </a:fld>
             <a:endParaRPr lang="de-DE"/>
           </a:p>
@@ -884,7 +884,7 @@
           <a:p>
             <a:fld id="{AECE252B-1CE8-4207-8EE5-E62EE705BCB5}" type="datetimeFigureOut">
               <a:rPr lang="de-DE" smtClean="0"/>
-              <a:t>14.09.2019</a:t>
+              <a:t>17.09.19</a:t>
             </a:fld>
             <a:endParaRPr lang="de-DE"/>
           </a:p>
@@ -938,7 +938,7 @@
           <a:p>
             <a:fld id="{19BCE906-134A-4002-9484-4BE885A83628}" type="slidenum">
               <a:rPr lang="de-DE" smtClean="0"/>
-              <a:t>‹Nr.›</a:t>
+              <a:t>‹#›</a:t>
             </a:fld>
             <a:endParaRPr lang="de-DE"/>
           </a:p>
@@ -1092,7 +1092,7 @@
           <a:p>
             <a:fld id="{AECE252B-1CE8-4207-8EE5-E62EE705BCB5}" type="datetimeFigureOut">
               <a:rPr lang="de-DE" smtClean="0"/>
-              <a:t>14.09.2019</a:t>
+              <a:t>17.09.19</a:t>
             </a:fld>
             <a:endParaRPr lang="de-DE"/>
           </a:p>
@@ -1146,7 +1146,7 @@
           <a:p>
             <a:fld id="{19BCE906-134A-4002-9484-4BE885A83628}" type="slidenum">
               <a:rPr lang="de-DE" smtClean="0"/>
-              <a:t>‹Nr.›</a:t>
+              <a:t>‹#›</a:t>
             </a:fld>
             <a:endParaRPr lang="de-DE"/>
           </a:p>
@@ -1290,7 +1290,7 @@
           <a:p>
             <a:fld id="{AECE252B-1CE8-4207-8EE5-E62EE705BCB5}" type="datetimeFigureOut">
               <a:rPr lang="de-DE" smtClean="0"/>
-              <a:t>14.09.2019</a:t>
+              <a:t>17.09.19</a:t>
             </a:fld>
             <a:endParaRPr lang="de-DE"/>
           </a:p>
@@ -1344,7 +1344,7 @@
           <a:p>
             <a:fld id="{19BCE906-134A-4002-9484-4BE885A83628}" type="slidenum">
               <a:rPr lang="de-DE" smtClean="0"/>
-              <a:t>‹Nr.›</a:t>
+              <a:t>‹#›</a:t>
             </a:fld>
             <a:endParaRPr lang="de-DE"/>
           </a:p>
@@ -1565,7 +1565,7 @@
           <a:p>
             <a:fld id="{AECE252B-1CE8-4207-8EE5-E62EE705BCB5}" type="datetimeFigureOut">
               <a:rPr lang="de-DE" smtClean="0"/>
-              <a:t>14.09.2019</a:t>
+              <a:t>17.09.19</a:t>
             </a:fld>
             <a:endParaRPr lang="de-DE"/>
           </a:p>
@@ -1619,7 +1619,7 @@
           <a:p>
             <a:fld id="{19BCE906-134A-4002-9484-4BE885A83628}" type="slidenum">
               <a:rPr lang="de-DE" smtClean="0"/>
-              <a:t>‹Nr.›</a:t>
+              <a:t>‹#›</a:t>
             </a:fld>
             <a:endParaRPr lang="de-DE"/>
           </a:p>
@@ -1830,7 +1830,7 @@
           <a:p>
             <a:fld id="{AECE252B-1CE8-4207-8EE5-E62EE705BCB5}" type="datetimeFigureOut">
               <a:rPr lang="de-DE" smtClean="0"/>
-              <a:t>14.09.2019</a:t>
+              <a:t>17.09.19</a:t>
             </a:fld>
             <a:endParaRPr lang="de-DE"/>
           </a:p>
@@ -1884,7 +1884,7 @@
           <a:p>
             <a:fld id="{19BCE906-134A-4002-9484-4BE885A83628}" type="slidenum">
               <a:rPr lang="de-DE" smtClean="0"/>
-              <a:t>‹Nr.›</a:t>
+              <a:t>‹#›</a:t>
             </a:fld>
             <a:endParaRPr lang="de-DE"/>
           </a:p>
@@ -2242,7 +2242,7 @@
           <a:p>
             <a:fld id="{AECE252B-1CE8-4207-8EE5-E62EE705BCB5}" type="datetimeFigureOut">
               <a:rPr lang="de-DE" smtClean="0"/>
-              <a:t>14.09.2019</a:t>
+              <a:t>17.09.19</a:t>
             </a:fld>
             <a:endParaRPr lang="de-DE"/>
           </a:p>
@@ -2296,7 +2296,7 @@
           <a:p>
             <a:fld id="{19BCE906-134A-4002-9484-4BE885A83628}" type="slidenum">
               <a:rPr lang="de-DE" smtClean="0"/>
-              <a:t>‹Nr.›</a:t>
+              <a:t>‹#›</a:t>
             </a:fld>
             <a:endParaRPr lang="de-DE"/>
           </a:p>
@@ -2383,7 +2383,7 @@
           <a:p>
             <a:fld id="{AECE252B-1CE8-4207-8EE5-E62EE705BCB5}" type="datetimeFigureOut">
               <a:rPr lang="de-DE" smtClean="0"/>
-              <a:t>14.09.2019</a:t>
+              <a:t>17.09.19</a:t>
             </a:fld>
             <a:endParaRPr lang="de-DE"/>
           </a:p>
@@ -2437,7 +2437,7 @@
           <a:p>
             <a:fld id="{19BCE906-134A-4002-9484-4BE885A83628}" type="slidenum">
               <a:rPr lang="de-DE" smtClean="0"/>
-              <a:t>‹Nr.›</a:t>
+              <a:t>‹#›</a:t>
             </a:fld>
             <a:endParaRPr lang="de-DE"/>
           </a:p>
@@ -2496,7 +2496,7 @@
           <a:p>
             <a:fld id="{AECE252B-1CE8-4207-8EE5-E62EE705BCB5}" type="datetimeFigureOut">
               <a:rPr lang="de-DE" smtClean="0"/>
-              <a:t>14.09.2019</a:t>
+              <a:t>17.09.19</a:t>
             </a:fld>
             <a:endParaRPr lang="de-DE"/>
           </a:p>
@@ -2550,7 +2550,7 @@
           <a:p>
             <a:fld id="{19BCE906-134A-4002-9484-4BE885A83628}" type="slidenum">
               <a:rPr lang="de-DE" smtClean="0"/>
-              <a:t>‹Nr.›</a:t>
+              <a:t>‹#›</a:t>
             </a:fld>
             <a:endParaRPr lang="de-DE"/>
           </a:p>
@@ -2807,7 +2807,7 @@
           <a:p>
             <a:fld id="{AECE252B-1CE8-4207-8EE5-E62EE705BCB5}" type="datetimeFigureOut">
               <a:rPr lang="de-DE" smtClean="0"/>
-              <a:t>14.09.2019</a:t>
+              <a:t>17.09.19</a:t>
             </a:fld>
             <a:endParaRPr lang="de-DE"/>
           </a:p>
@@ -2861,7 +2861,7 @@
           <a:p>
             <a:fld id="{19BCE906-134A-4002-9484-4BE885A83628}" type="slidenum">
               <a:rPr lang="de-DE" smtClean="0"/>
-              <a:t>‹Nr.›</a:t>
+              <a:t>‹#›</a:t>
             </a:fld>
             <a:endParaRPr lang="de-DE"/>
           </a:p>
@@ -3095,7 +3095,7 @@
           <a:p>
             <a:fld id="{AECE252B-1CE8-4207-8EE5-E62EE705BCB5}" type="datetimeFigureOut">
               <a:rPr lang="de-DE" smtClean="0"/>
-              <a:t>14.09.2019</a:t>
+              <a:t>17.09.19</a:t>
             </a:fld>
             <a:endParaRPr lang="de-DE"/>
           </a:p>
@@ -3149,7 +3149,7 @@
           <a:p>
             <a:fld id="{19BCE906-134A-4002-9484-4BE885A83628}" type="slidenum">
               <a:rPr lang="de-DE" smtClean="0"/>
-              <a:t>‹Nr.›</a:t>
+              <a:t>‹#›</a:t>
             </a:fld>
             <a:endParaRPr lang="de-DE"/>
           </a:p>
@@ -3336,7 +3336,7 @@
           <a:p>
             <a:fld id="{AECE252B-1CE8-4207-8EE5-E62EE705BCB5}" type="datetimeFigureOut">
               <a:rPr lang="de-DE" smtClean="0"/>
-              <a:t>14.09.2019</a:t>
+              <a:t>17.09.19</a:t>
             </a:fld>
             <a:endParaRPr lang="de-DE"/>
           </a:p>
@@ -3426,7 +3426,7 @@
           <a:p>
             <a:fld id="{19BCE906-134A-4002-9484-4BE885A83628}" type="slidenum">
               <a:rPr lang="de-DE" smtClean="0"/>
-              <a:t>‹Nr.›</a:t>
+              <a:t>‹#›</a:t>
             </a:fld>
             <a:endParaRPr lang="de-DE"/>
           </a:p>
@@ -4246,7 +4246,7 @@
 </file>
 
 <file path=ppt/slides/slide10.xml><?xml version="1.0" encoding="utf-8"?>
-<p:sld xmlns:a="http://schemas.openxmlformats.org/drawingml/2006/main" xmlns:r="http://schemas.openxmlformats.org/officeDocument/2006/relationships" xmlns:p="http://schemas.openxmlformats.org/presentationml/2006/main">
+<p:sld xmlns:a="http://schemas.openxmlformats.org/drawingml/2006/main" xmlns:r="http://schemas.openxmlformats.org/officeDocument/2006/relationships" xmlns:p="http://schemas.openxmlformats.org/presentationml/2006/main" show="0">
   <p:cSld>
     <p:spTree>
       <p:nvGrpSpPr>
@@ -4851,7 +4851,7 @@
 </file>
 
 <file path=ppt/slides/slide11.xml><?xml version="1.0" encoding="utf-8"?>
-<p:sld xmlns:a="http://schemas.openxmlformats.org/drawingml/2006/main" xmlns:r="http://schemas.openxmlformats.org/officeDocument/2006/relationships" xmlns:p="http://schemas.openxmlformats.org/presentationml/2006/main">
+<p:sld xmlns:a="http://schemas.openxmlformats.org/drawingml/2006/main" xmlns:r="http://schemas.openxmlformats.org/officeDocument/2006/relationships" xmlns:p="http://schemas.openxmlformats.org/presentationml/2006/main" show="0">
   <p:cSld>
     <p:spTree>
       <p:nvGrpSpPr>
@@ -6273,13 +6273,6 @@
               <a:t>Implementation of a TODO-List</a:t>
             </a:r>
           </a:p>
-          <a:p>
-            <a:r>
-              <a:rPr lang="en-US" dirty="0"/>
-              <a:t>Lessons Learned</a:t>
-            </a:r>
-            <a:endParaRPr lang="de-DE" dirty="0"/>
-          </a:p>
         </p:txBody>
       </p:sp>
     </p:spTree>
@@ -6730,7 +6723,7 @@
 </file>
 
 <file path=ppt/slides/slide6.xml><?xml version="1.0" encoding="utf-8"?>
-<p:sld xmlns:a="http://schemas.openxmlformats.org/drawingml/2006/main" xmlns:r="http://schemas.openxmlformats.org/officeDocument/2006/relationships" xmlns:p="http://schemas.openxmlformats.org/presentationml/2006/main">
+<p:sld xmlns:a="http://schemas.openxmlformats.org/drawingml/2006/main" xmlns:r="http://schemas.openxmlformats.org/officeDocument/2006/relationships" xmlns:p="http://schemas.openxmlformats.org/presentationml/2006/main" show="0">
   <p:cSld>
     <p:spTree>
       <p:nvGrpSpPr>
@@ -6890,7 +6883,7 @@
 </file>
 
 <file path=ppt/slides/slide7.xml><?xml version="1.0" encoding="utf-8"?>
-<p:sld xmlns:a="http://schemas.openxmlformats.org/drawingml/2006/main" xmlns:r="http://schemas.openxmlformats.org/officeDocument/2006/relationships" xmlns:p="http://schemas.openxmlformats.org/presentationml/2006/main">
+<p:sld xmlns:a="http://schemas.openxmlformats.org/drawingml/2006/main" xmlns:r="http://schemas.openxmlformats.org/officeDocument/2006/relationships" xmlns:p="http://schemas.openxmlformats.org/presentationml/2006/main" show="0">
   <p:cSld>
     <p:spTree>
       <p:nvGrpSpPr>
@@ -7352,7 +7345,7 @@
 </file>
 
 <file path=ppt/slides/slide8.xml><?xml version="1.0" encoding="utf-8"?>
-<p:sld xmlns:a="http://schemas.openxmlformats.org/drawingml/2006/main" xmlns:r="http://schemas.openxmlformats.org/officeDocument/2006/relationships" xmlns:p="http://schemas.openxmlformats.org/presentationml/2006/main">
+<p:sld xmlns:a="http://schemas.openxmlformats.org/drawingml/2006/main" xmlns:r="http://schemas.openxmlformats.org/officeDocument/2006/relationships" xmlns:p="http://schemas.openxmlformats.org/presentationml/2006/main" show="0">
   <p:cSld>
     <p:spTree>
       <p:nvGrpSpPr>
@@ -7821,7 +7814,7 @@
 </file>
 
 <file path=ppt/slides/slide9.xml><?xml version="1.0" encoding="utf-8"?>
-<p:sld xmlns:a="http://schemas.openxmlformats.org/drawingml/2006/main" xmlns:r="http://schemas.openxmlformats.org/officeDocument/2006/relationships" xmlns:p="http://schemas.openxmlformats.org/presentationml/2006/main">
+<p:sld xmlns:a="http://schemas.openxmlformats.org/drawingml/2006/main" xmlns:r="http://schemas.openxmlformats.org/officeDocument/2006/relationships" xmlns:p="http://schemas.openxmlformats.org/presentationml/2006/main" show="0">
   <p:cSld>
     <p:spTree>
       <p:nvGrpSpPr>
@@ -8576,12 +8569,6 @@
 </file>
 
 <file path=customXml/item1.xml><?xml version="1.0" encoding="utf-8"?>
-<p:properties xmlns:p="http://schemas.microsoft.com/office/2006/metadata/properties" xmlns:xsi="http://www.w3.org/2001/XMLSchema-instance" xmlns:pc="http://schemas.microsoft.com/office/infopath/2007/PartnerControls">
-  <documentManagement/>
-</p:properties>
-</file>
-
-<file path=customXml/item2.xml><?xml version="1.0" encoding="utf-8"?>
 <ct:contentTypeSchema xmlns:ct="http://schemas.microsoft.com/office/2006/metadata/contentType" xmlns:ma="http://schemas.microsoft.com/office/2006/metadata/properties/metaAttributes" ct:_="" ma:_="" ma:contentTypeName="Dokument" ma:contentTypeID="0x01010045D0C4D5196CA84892C865292AA33990" ma:contentTypeVersion="11" ma:contentTypeDescription="Ein neues Dokument erstellen." ma:contentTypeScope="" ma:versionID="d0388346b6aaba15699b7f1fb2901cee">
   <xsd:schema xmlns:xsd="http://www.w3.org/2001/XMLSchema" xmlns:xs="http://www.w3.org/2001/XMLSchema" xmlns:p="http://schemas.microsoft.com/office/2006/metadata/properties" xmlns:ns3="bccbf2fe-fea4-4dee-b70a-a86756d6fac8" xmlns:ns4="b8f68e81-fd17-48a1-bf79-9575c9517ad1" targetNamespace="http://schemas.microsoft.com/office/2006/metadata/properties" ma:root="true" ma:fieldsID="2d1935a40c0e03f0e7066678ad7d021b" ns3:_="" ns4:_="">
     <xsd:import namespace="bccbf2fe-fea4-4dee-b70a-a86756d6fac8"/>
@@ -8790,6 +8777,12 @@
 </ct:contentTypeSchema>
 </file>
 
+<file path=customXml/item2.xml><?xml version="1.0" encoding="utf-8"?>
+<p:properties xmlns:p="http://schemas.microsoft.com/office/2006/metadata/properties" xmlns:xsi="http://www.w3.org/2001/XMLSchema-instance" xmlns:pc="http://schemas.microsoft.com/office/infopath/2007/PartnerControls">
+  <documentManagement/>
+</p:properties>
+</file>
+
 <file path=customXml/item3.xml><?xml version="1.0" encoding="utf-8"?>
 <?mso-contentType ?>
 <FormTemplates xmlns="http://schemas.microsoft.com/sharepoint/v3/contenttype/forms">
@@ -8800,23 +8793,6 @@
 </file>
 
 <file path=customXml/itemProps1.xml><?xml version="1.0" encoding="utf-8"?>
-<ds:datastoreItem xmlns:ds="http://schemas.openxmlformats.org/officeDocument/2006/customXml" ds:itemID="{9C01B511-2205-4F5F-96B2-CD44BBBF7847}">
-  <ds:schemaRefs>
-    <ds:schemaRef ds:uri="http://purl.org/dc/elements/1.1/"/>
-    <ds:schemaRef ds:uri="http://schemas.microsoft.com/office/2006/metadata/properties"/>
-    <ds:schemaRef ds:uri="http://purl.org/dc/terms/"/>
-    <ds:schemaRef ds:uri="bccbf2fe-fea4-4dee-b70a-a86756d6fac8"/>
-    <ds:schemaRef ds:uri="http://schemas.microsoft.com/office/2006/documentManagement/types"/>
-    <ds:schemaRef ds:uri="http://schemas.microsoft.com/office/infopath/2007/PartnerControls"/>
-    <ds:schemaRef ds:uri="http://schemas.openxmlformats.org/package/2006/metadata/core-properties"/>
-    <ds:schemaRef ds:uri="b8f68e81-fd17-48a1-bf79-9575c9517ad1"/>
-    <ds:schemaRef ds:uri="http://www.w3.org/XML/1998/namespace"/>
-    <ds:schemaRef ds:uri="http://purl.org/dc/dcmitype/"/>
-  </ds:schemaRefs>
-</ds:datastoreItem>
-</file>
-
-<file path=customXml/itemProps2.xml><?xml version="1.0" encoding="utf-8"?>
 <ds:datastoreItem xmlns:ds="http://schemas.openxmlformats.org/officeDocument/2006/customXml" ds:itemID="{6A657929-91B4-432C-B5C2-945474B558AD}">
   <ds:schemaRefs>
     <ds:schemaRef ds:uri="http://schemas.microsoft.com/office/2006/metadata/contentType"/>
@@ -8835,6 +8811,23 @@
 </ds:datastoreItem>
 </file>
 
+<file path=customXml/itemProps2.xml><?xml version="1.0" encoding="utf-8"?>
+<ds:datastoreItem xmlns:ds="http://schemas.openxmlformats.org/officeDocument/2006/customXml" ds:itemID="{9C01B511-2205-4F5F-96B2-CD44BBBF7847}">
+  <ds:schemaRefs>
+    <ds:schemaRef ds:uri="http://purl.org/dc/elements/1.1/"/>
+    <ds:schemaRef ds:uri="http://schemas.microsoft.com/office/2006/metadata/properties"/>
+    <ds:schemaRef ds:uri="http://purl.org/dc/terms/"/>
+    <ds:schemaRef ds:uri="bccbf2fe-fea4-4dee-b70a-a86756d6fac8"/>
+    <ds:schemaRef ds:uri="http://schemas.microsoft.com/office/2006/documentManagement/types"/>
+    <ds:schemaRef ds:uri="http://schemas.microsoft.com/office/infopath/2007/PartnerControls"/>
+    <ds:schemaRef ds:uri="http://schemas.openxmlformats.org/package/2006/metadata/core-properties"/>
+    <ds:schemaRef ds:uri="b8f68e81-fd17-48a1-bf79-9575c9517ad1"/>
+    <ds:schemaRef ds:uri="http://www.w3.org/XML/1998/namespace"/>
+    <ds:schemaRef ds:uri="http://purl.org/dc/dcmitype/"/>
+  </ds:schemaRefs>
+</ds:datastoreItem>
+</file>
+
 <file path=customXml/itemProps3.xml><?xml version="1.0" encoding="utf-8"?>
 <ds:datastoreItem xmlns:ds="http://schemas.openxmlformats.org/officeDocument/2006/customXml" ds:itemID="{99B30EB0-21EC-40F5-BD26-37E83814E6E8}">
   <ds:schemaRefs>
